--- a/Training/Communities_Widgets.pptx
+++ b/Training/Communities_Widgets.pptx
@@ -361,7 +361,7 @@
               <a:pPr>
                 <a:defRPr/>
               </a:pPr>
-              <a:t>1/11/13</a:t>
+              <a:t>1/25/13</a:t>
             </a:fld>
             <a:endParaRPr lang="da-DK"/>
           </a:p>
@@ -646,7 +646,7 @@
               <a:pPr>
                 <a:defRPr/>
               </a:pPr>
-              <a:t>1/11/13</a:t>
+              <a:t>1/25/13</a:t>
             </a:fld>
             <a:endParaRPr lang="da-DK"/>
           </a:p>
@@ -1958,7 +1958,7 @@
               <a:pPr>
                 <a:defRPr/>
               </a:pPr>
-              <a:t>1/11/13</a:t>
+              <a:t>1/25/13</a:t>
             </a:fld>
             <a:endParaRPr lang="da-DK"/>
           </a:p>
@@ -2491,7 +2491,7 @@
               <a:pPr>
                 <a:defRPr/>
               </a:pPr>
-              <a:t>1/11/13</a:t>
+              <a:t>1/25/13</a:t>
             </a:fld>
             <a:endParaRPr lang="da-DK"/>
           </a:p>
@@ -2688,7 +2688,7 @@
               <a:pPr>
                 <a:defRPr/>
               </a:pPr>
-              <a:t>1/11/13</a:t>
+              <a:t>1/25/13</a:t>
             </a:fld>
             <a:endParaRPr lang="da-DK"/>
           </a:p>
@@ -2848,7 +2848,7 @@
               <a:pPr>
                 <a:defRPr/>
               </a:pPr>
-              <a:t>1/11/13</a:t>
+              <a:t>1/25/13</a:t>
             </a:fld>
             <a:endParaRPr lang="da-DK"/>
           </a:p>
@@ -3213,7 +3213,7 @@
               <a:pPr>
                 <a:defRPr/>
               </a:pPr>
-              <a:t>1/11/13</a:t>
+              <a:t>1/25/13</a:t>
             </a:fld>
             <a:endParaRPr lang="da-DK"/>
           </a:p>
@@ -3984,7 +3984,7 @@
               <a:pPr>
                 <a:defRPr/>
               </a:pPr>
-              <a:t>1/11/13</a:t>
+              <a:t>1/25/13</a:t>
             </a:fld>
             <a:endParaRPr lang="da-DK"/>
           </a:p>
@@ -4267,7 +4267,7 @@
               <a:pPr>
                 <a:defRPr/>
               </a:pPr>
-              <a:t>1/11/13</a:t>
+              <a:t>1/25/13</a:t>
             </a:fld>
             <a:endParaRPr lang="da-DK"/>
           </a:p>
@@ -4550,7 +4550,7 @@
               <a:pPr>
                 <a:defRPr/>
               </a:pPr>
-              <a:t>1/11/13</a:t>
+              <a:t>1/25/13</a:t>
             </a:fld>
             <a:endParaRPr lang="da-DK"/>
           </a:p>
@@ -5419,7 +5419,7 @@
               <a:pPr>
                 <a:defRPr/>
               </a:pPr>
-              <a:t>1/11/13</a:t>
+              <a:t>1/25/13</a:t>
             </a:fld>
             <a:endParaRPr lang="da-DK"/>
           </a:p>
@@ -5954,7 +5954,7 @@
               <a:pPr>
                 <a:defRPr/>
               </a:pPr>
-              <a:t>1/11/13</a:t>
+              <a:t>1/25/13</a:t>
             </a:fld>
             <a:endParaRPr lang="da-DK"/>
           </a:p>
@@ -6153,7 +6153,7 @@
               <a:pPr>
                 <a:defRPr/>
               </a:pPr>
-              <a:t>1/11/13</a:t>
+              <a:t>1/25/13</a:t>
             </a:fld>
             <a:endParaRPr lang="da-DK"/>
           </a:p>
@@ -6315,7 +6315,7 @@
               <a:pPr>
                 <a:defRPr/>
               </a:pPr>
-              <a:t>1/11/13</a:t>
+              <a:t>1/25/13</a:t>
             </a:fld>
             <a:endParaRPr lang="da-DK"/>
           </a:p>
@@ -6682,7 +6682,7 @@
               <a:pPr>
                 <a:defRPr/>
               </a:pPr>
-              <a:t>1/11/13</a:t>
+              <a:t>1/25/13</a:t>
             </a:fld>
             <a:endParaRPr lang="da-DK"/>
           </a:p>
@@ -7024,7 +7024,7 @@
               <a:pPr>
                 <a:defRPr/>
               </a:pPr>
-              <a:t>1/11/13</a:t>
+              <a:t>1/25/13</a:t>
             </a:fld>
             <a:endParaRPr lang="da-DK"/>
           </a:p>
@@ -8283,13 +8283,13 @@
   <p:clrMapOvr>
     <a:masterClrMapping/>
   </p:clrMapOvr>
-  <mc:AlternateContent xmlns:mc="http://schemas.openxmlformats.org/markup-compatibility/2006">
-    <mc:Choice xmlns:p14="http://schemas.microsoft.com/office/powerpoint/2010/main" Requires="p14">
+  <mc:AlternateContent xmlns:mc="http://schemas.openxmlformats.org/markup-compatibility/2006" xmlns:p14="http://schemas.microsoft.com/office/powerpoint/2010/main">
+    <mc:Choice Requires="p14">
       <p:transition spd="slow" p14:dur="4000">
         <p14:vortex dir="r"/>
       </p:transition>
     </mc:Choice>
-    <mc:Fallback>
+    <mc:Fallback xmlns="">
       <p:transition xmlns:p14="http://schemas.microsoft.com/office/powerpoint/2010/main" spd="slow">
         <p:fade/>
       </p:transition>
@@ -8361,23 +8361,7 @@
                   <a:srgbClr val="171717"/>
                 </a:solidFill>
               </a:rPr>
-              <a:t>Post a </a:t>
-            </a:r>
-            <a:r>
-              <a:rPr lang="en-US" sz="3000" b="1" dirty="0" smtClean="0">
-                <a:solidFill>
-                  <a:srgbClr val="171717"/>
-                </a:solidFill>
-              </a:rPr>
-              <a:t>Question </a:t>
-            </a:r>
-            <a:r>
-              <a:rPr lang="en-US" sz="3000" b="1" dirty="0" smtClean="0">
-                <a:solidFill>
-                  <a:srgbClr val="171717"/>
-                </a:solidFill>
-              </a:rPr>
-              <a:t>Widget</a:t>
+              <a:t>Post a Question Widget</a:t>
             </a:r>
             <a:endParaRPr lang="en-US" sz="3000" b="1" dirty="0">
               <a:solidFill>
@@ -8666,13 +8650,13 @@
   <p:clrMapOvr>
     <a:masterClrMapping/>
   </p:clrMapOvr>
-  <mc:AlternateContent xmlns:mc="http://schemas.openxmlformats.org/markup-compatibility/2006">
-    <mc:Choice xmlns:p14="http://schemas.microsoft.com/office/powerpoint/2010/main" Requires="p14">
+  <mc:AlternateContent xmlns:mc="http://schemas.openxmlformats.org/markup-compatibility/2006" xmlns:p14="http://schemas.microsoft.com/office/powerpoint/2010/main">
+    <mc:Choice Requires="p14">
       <p:transition spd="slow" p14:dur="1600">
         <p:blinds dir="vert"/>
       </p:transition>
     </mc:Choice>
-    <mc:Fallback>
+    <mc:Fallback xmlns="">
       <p:transition xmlns:p14="http://schemas.microsoft.com/office/powerpoint/2010/main" spd="slow">
         <p:blinds dir="vert"/>
       </p:transition>
@@ -9529,15 +9513,7 @@
                   <a:srgbClr val="171717"/>
                 </a:solidFill>
               </a:rPr>
-              <a:t>Embed </a:t>
-            </a:r>
-            <a:r>
-              <a:rPr lang="en-US" sz="3000" b="1" dirty="0" smtClean="0">
-                <a:solidFill>
-                  <a:srgbClr val="171717"/>
-                </a:solidFill>
-              </a:rPr>
-              <a:t>Widget</a:t>
+              <a:t>Embed Widget</a:t>
             </a:r>
             <a:endParaRPr lang="en-US" sz="3000" b="1" dirty="0">
               <a:solidFill>
@@ -9944,13 +9920,13 @@
   <p:clrMapOvr>
     <a:masterClrMapping/>
   </p:clrMapOvr>
-  <mc:AlternateContent xmlns:mc="http://schemas.openxmlformats.org/markup-compatibility/2006">
-    <mc:Choice xmlns:p14="http://schemas.microsoft.com/office/powerpoint/2010/main" Requires="p14">
+  <mc:AlternateContent xmlns:mc="http://schemas.openxmlformats.org/markup-compatibility/2006" xmlns:p14="http://schemas.microsoft.com/office/powerpoint/2010/main">
+    <mc:Choice Requires="p14">
       <p:transition spd="slow" p14:dur="3000">
         <p14:shred/>
       </p:transition>
     </mc:Choice>
-    <mc:Fallback>
+    <mc:Fallback xmlns="">
       <p:transition xmlns:p14="http://schemas.microsoft.com/office/powerpoint/2010/main" spd="slow">
         <p:fade/>
       </p:transition>
@@ -10553,7 +10529,37 @@
                   </a:schemeClr>
                 </a:solidFill>
               </a:rPr>
-              <a:t>Used to create Polls. You can display the latest poll or chose it be name</a:t>
+              <a:t>Used to create Polls. You can display the latest poll or chose </a:t>
+            </a:r>
+            <a:r>
+              <a:rPr lang="en-US" smtClean="0">
+                <a:solidFill>
+                  <a:schemeClr val="accent1">
+                    <a:lumMod val="10000"/>
+                  </a:schemeClr>
+                </a:solidFill>
+              </a:rPr>
+              <a:t>it </a:t>
+            </a:r>
+            <a:r>
+              <a:rPr lang="en-US" smtClean="0">
+                <a:solidFill>
+                  <a:schemeClr val="accent1">
+                    <a:lumMod val="10000"/>
+                  </a:schemeClr>
+                </a:solidFill>
+              </a:rPr>
+              <a:t>by </a:t>
+            </a:r>
+            <a:r>
+              <a:rPr lang="en-US" dirty="0" smtClean="0">
+                <a:solidFill>
+                  <a:schemeClr val="accent1">
+                    <a:lumMod val="10000"/>
+                  </a:schemeClr>
+                </a:solidFill>
+              </a:rPr>
+              <a:t>name</a:t>
             </a:r>
             <a:endParaRPr lang="en-US" dirty="0">
               <a:solidFill>
@@ -10575,13 +10581,13 @@
   <p:clrMapOvr>
     <a:masterClrMapping/>
   </p:clrMapOvr>
-  <mc:AlternateContent xmlns:mc="http://schemas.openxmlformats.org/markup-compatibility/2006">
-    <mc:Choice xmlns:p14="http://schemas.microsoft.com/office/powerpoint/2010/main" Requires="p14">
+  <mc:AlternateContent xmlns:mc="http://schemas.openxmlformats.org/markup-compatibility/2006" xmlns:p14="http://schemas.microsoft.com/office/powerpoint/2010/main">
+    <mc:Choice Requires="p14">
       <p:transition spd="slow" p14:dur="1400">
         <p14:doors dir="vert"/>
       </p:transition>
     </mc:Choice>
-    <mc:Fallback>
+    <mc:Fallback xmlns="">
       <p:transition xmlns:p14="http://schemas.microsoft.com/office/powerpoint/2010/main" spd="slow">
         <p:fade/>
       </p:transition>
@@ -12083,13 +12089,13 @@
   <p:clrMapOvr>
     <a:masterClrMapping/>
   </p:clrMapOvr>
-  <mc:AlternateContent xmlns:mc="http://schemas.openxmlformats.org/markup-compatibility/2006">
-    <mc:Choice xmlns:p14="http://schemas.microsoft.com/office/powerpoint/2010/main" Requires="p14">
+  <mc:AlternateContent xmlns:mc="http://schemas.openxmlformats.org/markup-compatibility/2006" xmlns:p14="http://schemas.microsoft.com/office/powerpoint/2010/main">
+    <mc:Choice Requires="p14">
       <p:transition spd="slow" p14:dur="1600">
         <p14:prism isInverted="1"/>
       </p:transition>
     </mc:Choice>
-    <mc:Fallback>
+    <mc:Fallback xmlns="">
       <p:transition xmlns:p14="http://schemas.microsoft.com/office/powerpoint/2010/main" spd="slow">
         <p:fade/>
       </p:transition>
@@ -12742,13 +12748,13 @@
   <p:clrMapOvr>
     <a:masterClrMapping/>
   </p:clrMapOvr>
-  <mc:AlternateContent xmlns:mc="http://schemas.openxmlformats.org/markup-compatibility/2006">
-    <mc:Choice xmlns:p14="http://schemas.microsoft.com/office/powerpoint/2010/main" Requires="p14">
+  <mc:AlternateContent xmlns:mc="http://schemas.openxmlformats.org/markup-compatibility/2006" xmlns:p14="http://schemas.microsoft.com/office/powerpoint/2010/main">
+    <mc:Choice Requires="p14">
       <p:transition spd="slow" p14:dur="1400">
         <p14:doors dir="vert"/>
       </p:transition>
     </mc:Choice>
-    <mc:Fallback>
+    <mc:Fallback xmlns="">
       <p:transition xmlns:p14="http://schemas.microsoft.com/office/powerpoint/2010/main" spd="slow">
         <p:fade/>
       </p:transition>
@@ -13155,13 +13161,6 @@
                 </a:rPr>
                 <a:t>2</a:t>
               </a:r>
-              <a:endParaRPr lang="da-DK" sz="1200" noProof="1">
-                <a:solidFill>
-                  <a:srgbClr val="FFFFFF"/>
-                </a:solidFill>
-                <a:latin typeface="Arial" pitchFamily="34" charset="0"/>
-                <a:ea typeface="ＭＳ Ｐゴシック" pitchFamily="-97" charset="-128"/>
-              </a:endParaRPr>
             </a:p>
           </p:txBody>
         </p:sp>
@@ -13604,13 +13603,6 @@
                 </a:rPr>
                 <a:t>4</a:t>
               </a:r>
-              <a:endParaRPr lang="da-DK" sz="1200" noProof="1">
-                <a:solidFill>
-                  <a:srgbClr val="FFFFFF"/>
-                </a:solidFill>
-                <a:latin typeface="Arial" pitchFamily="34" charset="0"/>
-                <a:ea typeface="ＭＳ Ｐゴシック" pitchFamily="-97" charset="-128"/>
-              </a:endParaRPr>
             </a:p>
           </p:txBody>
         </p:sp>
@@ -14029,13 +14021,13 @@
   <p:clrMapOvr>
     <a:masterClrMapping/>
   </p:clrMapOvr>
-  <mc:AlternateContent xmlns:mc="http://schemas.openxmlformats.org/markup-compatibility/2006">
-    <mc:Choice xmlns:p14="http://schemas.microsoft.com/office/powerpoint/2010/main" Requires="p14">
+  <mc:AlternateContent xmlns:mc="http://schemas.openxmlformats.org/markup-compatibility/2006" xmlns:p14="http://schemas.microsoft.com/office/powerpoint/2010/main">
+    <mc:Choice Requires="p14">
       <p:transition spd="slow" p14:dur="1600">
         <p:blinds dir="vert"/>
       </p:transition>
     </mc:Choice>
-    <mc:Fallback>
+    <mc:Fallback xmlns="">
       <p:transition xmlns:p14="http://schemas.microsoft.com/office/powerpoint/2010/main" spd="slow">
         <p:blinds dir="vert"/>
       </p:transition>
@@ -14778,23 +14770,7 @@
                   <a:srgbClr val="171717"/>
                 </a:solidFill>
               </a:rPr>
-              <a:t>Meet the </a:t>
-            </a:r>
-            <a:r>
-              <a:rPr lang="en-US" sz="3000" b="1" dirty="0" smtClean="0">
-                <a:solidFill>
-                  <a:srgbClr val="171717"/>
-                </a:solidFill>
-              </a:rPr>
-              <a:t>Comm. Team </a:t>
-            </a:r>
-            <a:r>
-              <a:rPr lang="en-US" sz="3000" b="1" dirty="0" smtClean="0">
-                <a:solidFill>
-                  <a:srgbClr val="171717"/>
-                </a:solidFill>
-              </a:rPr>
-              <a:t>Widget</a:t>
+              <a:t>Meet the Comm. Team Widget</a:t>
             </a:r>
             <a:endParaRPr lang="en-US" sz="3000" b="1" dirty="0">
               <a:solidFill>
@@ -15081,13 +15057,13 @@
   <p:clrMapOvr>
     <a:masterClrMapping/>
   </p:clrMapOvr>
-  <mc:AlternateContent xmlns:mc="http://schemas.openxmlformats.org/markup-compatibility/2006">
-    <mc:Choice xmlns:p14="http://schemas.microsoft.com/office/powerpoint/2010/main" Requires="p14">
+  <mc:AlternateContent xmlns:mc="http://schemas.openxmlformats.org/markup-compatibility/2006" xmlns:p14="http://schemas.microsoft.com/office/powerpoint/2010/main">
+    <mc:Choice Requires="p14">
       <p:transition spd="slow" p14:dur="4400">
         <p14:honeycomb/>
       </p:transition>
     </mc:Choice>
-    <mc:Fallback>
+    <mc:Fallback xmlns="">
       <p:transition xmlns:p14="http://schemas.microsoft.com/office/powerpoint/2010/main" spd="slow">
         <p:fade/>
       </p:transition>
@@ -16534,13 +16510,13 @@
   <p:clrMapOvr>
     <a:masterClrMapping/>
   </p:clrMapOvr>
-  <mc:AlternateContent xmlns:mc="http://schemas.openxmlformats.org/markup-compatibility/2006">
-    <mc:Choice xmlns:p14="http://schemas.microsoft.com/office/powerpoint/2010/main" Requires="p14">
+  <mc:AlternateContent xmlns:mc="http://schemas.openxmlformats.org/markup-compatibility/2006" xmlns:p14="http://schemas.microsoft.com/office/powerpoint/2010/main">
+    <mc:Choice Requires="p14">
       <p:transition spd="slow" p14:dur="1400">
         <p14:ripple/>
       </p:transition>
     </mc:Choice>
-    <mc:Fallback>
+    <mc:Fallback xmlns="">
       <p:transition xmlns:p14="http://schemas.microsoft.com/office/powerpoint/2010/main" spd="slow">
         <p:fade/>
       </p:transition>

--- a/Training/Communities_Widgets.pptx
+++ b/Training/Communities_Widgets.pptx
@@ -10529,20 +10529,10 @@
                   </a:schemeClr>
                 </a:solidFill>
               </a:rPr>
-              <a:t>Used to create Polls. You can display the latest poll or chose </a:t>
-            </a:r>
-            <a:r>
-              <a:rPr lang="en-US" smtClean="0">
-                <a:solidFill>
-                  <a:schemeClr val="accent1">
-                    <a:lumMod val="10000"/>
-                  </a:schemeClr>
-                </a:solidFill>
-              </a:rPr>
-              <a:t>it </a:t>
-            </a:r>
-            <a:r>
-              <a:rPr lang="en-US" smtClean="0">
+              <a:t>Used to create Polls. You can display the latest poll or chose it </a:t>
+            </a:r>
+            <a:r>
+              <a:rPr lang="en-US" dirty="0" smtClean="0">
                 <a:solidFill>
                   <a:schemeClr val="accent1">
                     <a:lumMod val="10000"/>
